--- a/붙임2.경진대회 판넬 양식B.pptx
+++ b/붙임2.경진대회 판넬 양식B.pptx
@@ -5199,7 +5199,7 @@
         </p:nvSpPr>
         <p:spPr>
           <a:xfrm>
-            <a:off x="11128917" y="26271012"/>
+            <a:off x="11128917" y="26126996"/>
             <a:ext cx="9979200" cy="3620105"/>
           </a:xfrm>
           <a:prstGeom prst="rect">
@@ -5405,7 +5405,7 @@
                 <a:latin typeface="던파 비트비트체 v2" panose="02040503000000000000" pitchFamily="18" charset="-127"/>
                 <a:ea typeface="던파 비트비트체 v2" panose="02040503000000000000" pitchFamily="18" charset="-127"/>
               </a:rPr>
-              <a:t>수기경</a:t>
+              <a:t>에어로팜</a:t>
             </a:r>
             <a:r>
               <a:rPr lang="ko-KR" altLang="en-US" dirty="0">
@@ -5523,7 +5523,7 @@
         </p:nvSpPr>
         <p:spPr>
           <a:xfrm>
-            <a:off x="626775" y="4482803"/>
+            <a:off x="626775" y="4338787"/>
             <a:ext cx="9778593" cy="1006475"/>
           </a:xfrm>
           <a:prstGeom prst="roundRect">
@@ -5593,7 +5593,7 @@
         </p:nvSpPr>
         <p:spPr>
           <a:xfrm>
-            <a:off x="11012586" y="10461104"/>
+            <a:off x="11012586" y="10317088"/>
             <a:ext cx="9778593" cy="1006475"/>
           </a:xfrm>
           <a:prstGeom prst="roundRect">
@@ -5663,7 +5663,7 @@
         </p:nvSpPr>
         <p:spPr>
           <a:xfrm>
-            <a:off x="626775" y="5706939"/>
+            <a:off x="626775" y="5562923"/>
             <a:ext cx="9778593" cy="6563076"/>
           </a:xfrm>
           <a:prstGeom prst="roundRect">
@@ -5703,7 +5703,73 @@
           <a:lstStyle/>
           <a:p>
             <a:pPr algn="ctr"/>
-            <a:endParaRPr lang="ko-KR" altLang="en-US" sz="4500" dirty="0">
+            <a:r>
+              <a:rPr lang="ko-KR" altLang="en-US" sz="3200" dirty="0">
+                <a:solidFill>
+                  <a:schemeClr val="accent3">
+                    <a:lumMod val="50000"/>
+                  </a:schemeClr>
+                </a:solidFill>
+                <a:latin typeface="던파 비트비트체 v2" panose="02040503000000000000" pitchFamily="18" charset="-127"/>
+                <a:ea typeface="던파 비트비트체 v2" panose="02040503000000000000" pitchFamily="18" charset="-127"/>
+              </a:rPr>
+              <a:t>사회적 문제 인식</a:t>
+            </a:r>
+          </a:p>
+          <a:p>
+            <a:pPr algn="ctr"/>
+            <a:r>
+              <a:rPr lang="en-US" altLang="ko-KR" sz="3200" dirty="0">
+                <a:solidFill>
+                  <a:schemeClr val="accent3">
+                    <a:lumMod val="50000"/>
+                  </a:schemeClr>
+                </a:solidFill>
+                <a:latin typeface="던파 비트비트체 v2" panose="02040503000000000000" pitchFamily="18" charset="-127"/>
+                <a:ea typeface="던파 비트비트체 v2" panose="02040503000000000000" pitchFamily="18" charset="-127"/>
+              </a:rPr>
+              <a:t>1. </a:t>
+            </a:r>
+            <a:r>
+              <a:rPr lang="ko-KR" altLang="en-US" sz="3200" dirty="0">
+                <a:solidFill>
+                  <a:schemeClr val="accent3">
+                    <a:lumMod val="50000"/>
+                  </a:schemeClr>
+                </a:solidFill>
+                <a:latin typeface="던파 비트비트체 v2" panose="02040503000000000000" pitchFamily="18" charset="-127"/>
+                <a:ea typeface="던파 비트비트체 v2" panose="02040503000000000000" pitchFamily="18" charset="-127"/>
+              </a:rPr>
+              <a:t>지구의 여러 문제로 인한 미래의 식량 부족</a:t>
+            </a:r>
+          </a:p>
+          <a:p>
+            <a:pPr algn="ctr"/>
+            <a:r>
+              <a:rPr lang="en-US" altLang="ko-KR" sz="3200" dirty="0">
+                <a:solidFill>
+                  <a:schemeClr val="accent3">
+                    <a:lumMod val="50000"/>
+                  </a:schemeClr>
+                </a:solidFill>
+                <a:latin typeface="던파 비트비트체 v2" panose="02040503000000000000" pitchFamily="18" charset="-127"/>
+                <a:ea typeface="던파 비트비트체 v2" panose="02040503000000000000" pitchFamily="18" charset="-127"/>
+              </a:rPr>
+              <a:t>2. </a:t>
+            </a:r>
+            <a:r>
+              <a:rPr lang="ko-KR" altLang="en-US" sz="3200" dirty="0">
+                <a:solidFill>
+                  <a:schemeClr val="accent3">
+                    <a:lumMod val="50000"/>
+                  </a:schemeClr>
+                </a:solidFill>
+                <a:latin typeface="던파 비트비트체 v2" panose="02040503000000000000" pitchFamily="18" charset="-127"/>
+                <a:ea typeface="던파 비트비트체 v2" panose="02040503000000000000" pitchFamily="18" charset="-127"/>
+              </a:rPr>
+              <a:t>노동 인구 감소로 인한 노동력 감소</a:t>
+            </a:r>
+            <a:endParaRPr lang="en-US" altLang="ko-KR" sz="3200" dirty="0">
               <a:solidFill>
                 <a:schemeClr val="accent3">
                   <a:lumMod val="50000"/>
@@ -5712,6 +5778,246 @@
               <a:latin typeface="던파 비트비트체 v2" panose="02040503000000000000" pitchFamily="18" charset="-127"/>
               <a:ea typeface="던파 비트비트체 v2" panose="02040503000000000000" pitchFamily="18" charset="-127"/>
             </a:endParaRPr>
+          </a:p>
+          <a:p>
+            <a:pPr algn="ctr"/>
+            <a:endParaRPr lang="ko-KR" altLang="en-US" sz="3200" dirty="0">
+              <a:solidFill>
+                <a:schemeClr val="accent3">
+                  <a:lumMod val="50000"/>
+                </a:schemeClr>
+              </a:solidFill>
+              <a:latin typeface="던파 비트비트체 v2" panose="02040503000000000000" pitchFamily="18" charset="-127"/>
+              <a:ea typeface="던파 비트비트체 v2" panose="02040503000000000000" pitchFamily="18" charset="-127"/>
+            </a:endParaRPr>
+          </a:p>
+          <a:p>
+            <a:pPr algn="ctr"/>
+            <a:r>
+              <a:rPr lang="ko-KR" altLang="en-US" sz="3200" dirty="0">
+                <a:solidFill>
+                  <a:schemeClr val="accent3">
+                    <a:lumMod val="50000"/>
+                  </a:schemeClr>
+                </a:solidFill>
+                <a:latin typeface="던파 비트비트체 v2" panose="02040503000000000000" pitchFamily="18" charset="-127"/>
+                <a:ea typeface="던파 비트비트체 v2" panose="02040503000000000000" pitchFamily="18" charset="-127"/>
+              </a:rPr>
+              <a:t>프로젝트 진행 동기</a:t>
+            </a:r>
+          </a:p>
+          <a:p>
+            <a:pPr algn="ctr"/>
+            <a:r>
+              <a:rPr lang="en-US" altLang="ko-KR" sz="3200" dirty="0">
+                <a:solidFill>
+                  <a:schemeClr val="accent3">
+                    <a:lumMod val="50000"/>
+                  </a:schemeClr>
+                </a:solidFill>
+                <a:latin typeface="던파 비트비트체 v2" panose="02040503000000000000" pitchFamily="18" charset="-127"/>
+                <a:ea typeface="던파 비트비트체 v2" panose="02040503000000000000" pitchFamily="18" charset="-127"/>
+              </a:rPr>
+              <a:t>1. </a:t>
+            </a:r>
+            <a:r>
+              <a:rPr lang="ko-KR" altLang="en-US" sz="3200" dirty="0" err="1">
+                <a:solidFill>
+                  <a:schemeClr val="accent3">
+                    <a:lumMod val="50000"/>
+                  </a:schemeClr>
+                </a:solidFill>
+                <a:latin typeface="던파 비트비트체 v2" panose="02040503000000000000" pitchFamily="18" charset="-127"/>
+                <a:ea typeface="던파 비트비트체 v2" panose="02040503000000000000" pitchFamily="18" charset="-127"/>
+              </a:rPr>
+              <a:t>에어로팜</a:t>
+            </a:r>
+            <a:r>
+              <a:rPr lang="ko-KR" altLang="en-US" sz="3200" dirty="0">
+                <a:solidFill>
+                  <a:schemeClr val="accent3">
+                    <a:lumMod val="50000"/>
+                  </a:schemeClr>
+                </a:solidFill>
+                <a:latin typeface="던파 비트비트체 v2" panose="02040503000000000000" pitchFamily="18" charset="-127"/>
+                <a:ea typeface="던파 비트비트체 v2" panose="02040503000000000000" pitchFamily="18" charset="-127"/>
+              </a:rPr>
+              <a:t> 재배 기법 활용</a:t>
+            </a:r>
+          </a:p>
+          <a:p>
+            <a:pPr algn="ctr"/>
+            <a:r>
+              <a:rPr lang="en-US" altLang="ko-KR" sz="3200" dirty="0">
+                <a:solidFill>
+                  <a:schemeClr val="accent3">
+                    <a:lumMod val="50000"/>
+                  </a:schemeClr>
+                </a:solidFill>
+                <a:latin typeface="던파 비트비트체 v2" panose="02040503000000000000" pitchFamily="18" charset="-127"/>
+                <a:ea typeface="던파 비트비트체 v2" panose="02040503000000000000" pitchFamily="18" charset="-127"/>
+              </a:rPr>
+              <a:t>2. </a:t>
+            </a:r>
+            <a:r>
+              <a:rPr lang="ko-KR" altLang="en-US" sz="3200" dirty="0">
+                <a:solidFill>
+                  <a:schemeClr val="accent3">
+                    <a:lumMod val="50000"/>
+                  </a:schemeClr>
+                </a:solidFill>
+                <a:latin typeface="던파 비트비트체 v2" panose="02040503000000000000" pitchFamily="18" charset="-127"/>
+                <a:ea typeface="던파 비트비트체 v2" panose="02040503000000000000" pitchFamily="18" charset="-127"/>
+              </a:rPr>
+              <a:t>농작의 흙 필요성 제거</a:t>
+            </a:r>
+          </a:p>
+          <a:p>
+            <a:pPr algn="ctr"/>
+            <a:endParaRPr lang="ko-KR" altLang="en-US" sz="3200" dirty="0">
+              <a:solidFill>
+                <a:schemeClr val="accent3">
+                  <a:lumMod val="50000"/>
+                </a:schemeClr>
+              </a:solidFill>
+              <a:latin typeface="던파 비트비트체 v2" panose="02040503000000000000" pitchFamily="18" charset="-127"/>
+              <a:ea typeface="던파 비트비트체 v2" panose="02040503000000000000" pitchFamily="18" charset="-127"/>
+            </a:endParaRPr>
+          </a:p>
+          <a:p>
+            <a:pPr algn="ctr"/>
+            <a:r>
+              <a:rPr lang="ko-KR" altLang="en-US" sz="3200" dirty="0">
+                <a:solidFill>
+                  <a:schemeClr val="accent3">
+                    <a:lumMod val="50000"/>
+                  </a:schemeClr>
+                </a:solidFill>
+                <a:latin typeface="던파 비트비트체 v2" panose="02040503000000000000" pitchFamily="18" charset="-127"/>
+                <a:ea typeface="던파 비트비트체 v2" panose="02040503000000000000" pitchFamily="18" charset="-127"/>
+              </a:rPr>
+              <a:t>최근 </a:t>
+            </a:r>
+            <a:r>
+              <a:rPr lang="ko-KR" altLang="en-US" sz="3200" dirty="0" err="1">
+                <a:solidFill>
+                  <a:schemeClr val="accent3">
+                    <a:lumMod val="50000"/>
+                  </a:schemeClr>
+                </a:solidFill>
+                <a:latin typeface="던파 비트비트체 v2" panose="02040503000000000000" pitchFamily="18" charset="-127"/>
+                <a:ea typeface="던파 비트비트체 v2" panose="02040503000000000000" pitchFamily="18" charset="-127"/>
+              </a:rPr>
+              <a:t>두각되는</a:t>
+            </a:r>
+            <a:r>
+              <a:rPr lang="ko-KR" altLang="en-US" sz="3200" dirty="0">
+                <a:solidFill>
+                  <a:schemeClr val="accent3">
+                    <a:lumMod val="50000"/>
+                  </a:schemeClr>
+                </a:solidFill>
+                <a:latin typeface="던파 비트비트체 v2" panose="02040503000000000000" pitchFamily="18" charset="-127"/>
+                <a:ea typeface="던파 비트비트체 v2" panose="02040503000000000000" pitchFamily="18" charset="-127"/>
+              </a:rPr>
+              <a:t> </a:t>
+            </a:r>
+            <a:r>
+              <a:rPr lang="ko-KR" altLang="en-US" sz="3200" dirty="0" err="1">
+                <a:solidFill>
+                  <a:schemeClr val="accent3">
+                    <a:lumMod val="50000"/>
+                  </a:schemeClr>
+                </a:solidFill>
+                <a:latin typeface="던파 비트비트체 v2" panose="02040503000000000000" pitchFamily="18" charset="-127"/>
+                <a:ea typeface="던파 비트비트체 v2" panose="02040503000000000000" pitchFamily="18" charset="-127"/>
+              </a:rPr>
+              <a:t>에어로팜</a:t>
+            </a:r>
+            <a:r>
+              <a:rPr lang="ko-KR" altLang="en-US" sz="3200" dirty="0">
+                <a:solidFill>
+                  <a:schemeClr val="accent3">
+                    <a:lumMod val="50000"/>
+                  </a:schemeClr>
+                </a:solidFill>
+                <a:latin typeface="던파 비트비트체 v2" panose="02040503000000000000" pitchFamily="18" charset="-127"/>
+                <a:ea typeface="던파 비트비트체 v2" panose="02040503000000000000" pitchFamily="18" charset="-127"/>
+              </a:rPr>
+              <a:t> 기술과</a:t>
+            </a:r>
+            <a:endParaRPr lang="en-US" altLang="ko-KR" sz="3200" dirty="0">
+              <a:solidFill>
+                <a:schemeClr val="accent3">
+                  <a:lumMod val="50000"/>
+                </a:schemeClr>
+              </a:solidFill>
+              <a:latin typeface="던파 비트비트체 v2" panose="02040503000000000000" pitchFamily="18" charset="-127"/>
+              <a:ea typeface="던파 비트비트체 v2" panose="02040503000000000000" pitchFamily="18" charset="-127"/>
+            </a:endParaRPr>
+          </a:p>
+          <a:p>
+            <a:pPr algn="ctr"/>
+            <a:r>
+              <a:rPr lang="ko-KR" altLang="en-US" sz="3200" dirty="0">
+                <a:solidFill>
+                  <a:schemeClr val="accent3">
+                    <a:lumMod val="50000"/>
+                  </a:schemeClr>
+                </a:solidFill>
+                <a:latin typeface="던파 비트비트체 v2" panose="02040503000000000000" pitchFamily="18" charset="-127"/>
+                <a:ea typeface="던파 비트비트체 v2" panose="02040503000000000000" pitchFamily="18" charset="-127"/>
+              </a:rPr>
+              <a:t> 여러 </a:t>
+            </a:r>
+            <a:r>
+              <a:rPr lang="en-US" altLang="ko-KR" sz="3200" dirty="0">
+                <a:solidFill>
+                  <a:schemeClr val="accent3">
+                    <a:lumMod val="50000"/>
+                  </a:schemeClr>
+                </a:solidFill>
+                <a:latin typeface="던파 비트비트체 v2" panose="02040503000000000000" pitchFamily="18" charset="-127"/>
+                <a:ea typeface="던파 비트비트체 v2" panose="02040503000000000000" pitchFamily="18" charset="-127"/>
+              </a:rPr>
+              <a:t>IT</a:t>
+            </a:r>
+            <a:r>
+              <a:rPr lang="ko-KR" altLang="en-US" sz="3200" dirty="0">
+                <a:solidFill>
+                  <a:schemeClr val="accent3">
+                    <a:lumMod val="50000"/>
+                  </a:schemeClr>
+                </a:solidFill>
+                <a:latin typeface="던파 비트비트체 v2" panose="02040503000000000000" pitchFamily="18" charset="-127"/>
+                <a:ea typeface="던파 비트비트체 v2" panose="02040503000000000000" pitchFamily="18" charset="-127"/>
+              </a:rPr>
+              <a:t>기술을 활용하여 </a:t>
+            </a:r>
+            <a:r>
+              <a:rPr lang="ko-KR" altLang="en-US" sz="3200" dirty="0" err="1">
+                <a:solidFill>
+                  <a:schemeClr val="accent3">
+                    <a:lumMod val="50000"/>
+                  </a:schemeClr>
+                </a:solidFill>
+                <a:latin typeface="던파 비트비트체 v2" panose="02040503000000000000" pitchFamily="18" charset="-127"/>
+                <a:ea typeface="던파 비트비트체 v2" panose="02040503000000000000" pitchFamily="18" charset="-127"/>
+              </a:rPr>
+              <a:t>스마트팜</a:t>
+            </a:r>
+            <a:r>
+              <a:rPr lang="ko-KR" altLang="en-US" sz="3200" dirty="0">
+                <a:solidFill>
+                  <a:schemeClr val="accent3">
+                    <a:lumMod val="50000"/>
+                  </a:schemeClr>
+                </a:solidFill>
+                <a:latin typeface="던파 비트비트체 v2" panose="02040503000000000000" pitchFamily="18" charset="-127"/>
+                <a:ea typeface="던파 비트비트체 v2" panose="02040503000000000000" pitchFamily="18" charset="-127"/>
+              </a:rPr>
+              <a:t> 제작</a:t>
+            </a:r>
           </a:p>
         </p:txBody>
       </p:sp>
@@ -5729,7 +6035,7 @@
         </p:nvSpPr>
         <p:spPr>
           <a:xfrm>
-            <a:off x="626775" y="12477328"/>
+            <a:off x="626775" y="12333312"/>
             <a:ext cx="9778593" cy="1006475"/>
           </a:xfrm>
           <a:prstGeom prst="roundRect">
@@ -5799,7 +6105,7 @@
         </p:nvSpPr>
         <p:spPr>
           <a:xfrm>
-            <a:off x="626775" y="13691116"/>
+            <a:off x="626775" y="13547100"/>
             <a:ext cx="9778593" cy="4329191"/>
           </a:xfrm>
           <a:prstGeom prst="roundRect">
@@ -5838,8 +6144,276 @@
           <a:bodyPr rtlCol="0" anchor="ctr"/>
           <a:lstStyle/>
           <a:p>
-            <a:pPr algn="ctr"/>
-            <a:endParaRPr lang="ko-KR" altLang="en-US" sz="4500" dirty="0">
+            <a:pPr algn="ctr">
+              <a:lnSpc>
+                <a:spcPct val="150000"/>
+              </a:lnSpc>
+            </a:pPr>
+            <a:r>
+              <a:rPr lang="en-US" altLang="ko-KR" sz="3200" dirty="0">
+                <a:solidFill>
+                  <a:schemeClr val="accent3">
+                    <a:lumMod val="50000"/>
+                  </a:schemeClr>
+                </a:solidFill>
+                <a:latin typeface="던파 비트비트체 v2" panose="02040503000000000000" pitchFamily="18" charset="-127"/>
+                <a:ea typeface="던파 비트비트체 v2" panose="02040503000000000000" pitchFamily="18" charset="-127"/>
+              </a:rPr>
+              <a:t>- </a:t>
+            </a:r>
+            <a:r>
+              <a:rPr lang="ko-KR" altLang="en-US" sz="3200" dirty="0">
+                <a:solidFill>
+                  <a:schemeClr val="accent3">
+                    <a:lumMod val="50000"/>
+                  </a:schemeClr>
+                </a:solidFill>
+                <a:latin typeface="던파 비트비트체 v2" panose="02040503000000000000" pitchFamily="18" charset="-127"/>
+                <a:ea typeface="던파 비트비트체 v2" panose="02040503000000000000" pitchFamily="18" charset="-127"/>
+              </a:rPr>
+              <a:t>재배 식물에 자동으로 수분 공급</a:t>
+            </a:r>
+            <a:endParaRPr lang="en-US" altLang="ko-KR" sz="3200" dirty="0">
+              <a:solidFill>
+                <a:schemeClr val="accent3">
+                  <a:lumMod val="50000"/>
+                </a:schemeClr>
+              </a:solidFill>
+              <a:latin typeface="던파 비트비트체 v2" panose="02040503000000000000" pitchFamily="18" charset="-127"/>
+              <a:ea typeface="던파 비트비트체 v2" panose="02040503000000000000" pitchFamily="18" charset="-127"/>
+            </a:endParaRPr>
+          </a:p>
+          <a:p>
+            <a:pPr algn="ctr">
+              <a:lnSpc>
+                <a:spcPct val="150000"/>
+              </a:lnSpc>
+            </a:pPr>
+            <a:r>
+              <a:rPr lang="en-US" altLang="ko-KR" sz="3200" dirty="0">
+                <a:solidFill>
+                  <a:schemeClr val="accent3">
+                    <a:lumMod val="50000"/>
+                  </a:schemeClr>
+                </a:solidFill>
+                <a:latin typeface="던파 비트비트체 v2" panose="02040503000000000000" pitchFamily="18" charset="-127"/>
+                <a:ea typeface="던파 비트비트체 v2" panose="02040503000000000000" pitchFamily="18" charset="-127"/>
+              </a:rPr>
+              <a:t>- </a:t>
+            </a:r>
+            <a:r>
+              <a:rPr lang="ko-KR" altLang="en-US" sz="3200" dirty="0">
+                <a:solidFill>
+                  <a:schemeClr val="accent3">
+                    <a:lumMod val="50000"/>
+                  </a:schemeClr>
+                </a:solidFill>
+                <a:latin typeface="던파 비트비트체 v2" panose="02040503000000000000" pitchFamily="18" charset="-127"/>
+                <a:ea typeface="던파 비트비트체 v2" panose="02040503000000000000" pitchFamily="18" charset="-127"/>
+              </a:rPr>
+              <a:t>지속적 환기 및 </a:t>
+            </a:r>
+            <a:r>
+              <a:rPr lang="ko-KR" altLang="en-US" sz="3200" dirty="0" err="1">
+                <a:solidFill>
+                  <a:schemeClr val="accent3">
+                    <a:lumMod val="50000"/>
+                  </a:schemeClr>
+                </a:solidFill>
+                <a:latin typeface="던파 비트비트체 v2" panose="02040503000000000000" pitchFamily="18" charset="-127"/>
+                <a:ea typeface="던파 비트비트체 v2" panose="02040503000000000000" pitchFamily="18" charset="-127"/>
+              </a:rPr>
+              <a:t>온열</a:t>
+            </a:r>
+            <a:r>
+              <a:rPr lang="ko-KR" altLang="en-US" sz="3200" dirty="0">
+                <a:solidFill>
+                  <a:schemeClr val="accent3">
+                    <a:lumMod val="50000"/>
+                  </a:schemeClr>
+                </a:solidFill>
+                <a:latin typeface="던파 비트비트체 v2" panose="02040503000000000000" pitchFamily="18" charset="-127"/>
+                <a:ea typeface="던파 비트비트체 v2" panose="02040503000000000000" pitchFamily="18" charset="-127"/>
+              </a:rPr>
+              <a:t> 시스템</a:t>
+            </a:r>
+            <a:endParaRPr lang="en-US" altLang="ko-KR" sz="3200" dirty="0">
+              <a:solidFill>
+                <a:schemeClr val="accent3">
+                  <a:lumMod val="50000"/>
+                </a:schemeClr>
+              </a:solidFill>
+              <a:latin typeface="던파 비트비트체 v2" panose="02040503000000000000" pitchFamily="18" charset="-127"/>
+              <a:ea typeface="던파 비트비트체 v2" panose="02040503000000000000" pitchFamily="18" charset="-127"/>
+            </a:endParaRPr>
+          </a:p>
+          <a:p>
+            <a:pPr algn="ctr">
+              <a:lnSpc>
+                <a:spcPct val="150000"/>
+              </a:lnSpc>
+            </a:pPr>
+            <a:r>
+              <a:rPr lang="en-US" altLang="ko-KR" sz="3200" dirty="0">
+                <a:solidFill>
+                  <a:schemeClr val="accent3">
+                    <a:lumMod val="50000"/>
+                  </a:schemeClr>
+                </a:solidFill>
+                <a:latin typeface="던파 비트비트체 v2" panose="02040503000000000000" pitchFamily="18" charset="-127"/>
+                <a:ea typeface="던파 비트비트체 v2" panose="02040503000000000000" pitchFamily="18" charset="-127"/>
+              </a:rPr>
+              <a:t>- </a:t>
+            </a:r>
+            <a:r>
+              <a:rPr lang="ko-KR" altLang="en-US" sz="3200" dirty="0">
+                <a:solidFill>
+                  <a:schemeClr val="accent3">
+                    <a:lumMod val="50000"/>
+                  </a:schemeClr>
+                </a:solidFill>
+                <a:latin typeface="던파 비트비트체 v2" panose="02040503000000000000" pitchFamily="18" charset="-127"/>
+                <a:ea typeface="던파 비트비트체 v2" panose="02040503000000000000" pitchFamily="18" charset="-127"/>
+              </a:rPr>
+              <a:t> </a:t>
+            </a:r>
+            <a:r>
+              <a:rPr lang="ko-KR" altLang="en-US" sz="3200" dirty="0" err="1">
+                <a:solidFill>
+                  <a:schemeClr val="accent3">
+                    <a:lumMod val="50000"/>
+                  </a:schemeClr>
+                </a:solidFill>
+                <a:latin typeface="던파 비트비트체 v2" panose="02040503000000000000" pitchFamily="18" charset="-127"/>
+                <a:ea typeface="던파 비트비트체 v2" panose="02040503000000000000" pitchFamily="18" charset="-127"/>
+              </a:rPr>
+              <a:t>스마트팜</a:t>
+            </a:r>
+            <a:r>
+              <a:rPr lang="ko-KR" altLang="en-US" sz="3200" dirty="0">
+                <a:solidFill>
+                  <a:schemeClr val="accent3">
+                    <a:lumMod val="50000"/>
+                  </a:schemeClr>
+                </a:solidFill>
+                <a:latin typeface="던파 비트비트체 v2" panose="02040503000000000000" pitchFamily="18" charset="-127"/>
+                <a:ea typeface="던파 비트비트체 v2" panose="02040503000000000000" pitchFamily="18" charset="-127"/>
+              </a:rPr>
+              <a:t> 내부 정보</a:t>
+            </a:r>
+            <a:r>
+              <a:rPr lang="en-US" altLang="ko-KR" sz="3200" dirty="0">
+                <a:solidFill>
+                  <a:schemeClr val="accent3">
+                    <a:lumMod val="50000"/>
+                  </a:schemeClr>
+                </a:solidFill>
+                <a:latin typeface="던파 비트비트체 v2" panose="02040503000000000000" pitchFamily="18" charset="-127"/>
+                <a:ea typeface="던파 비트비트체 v2" panose="02040503000000000000" pitchFamily="18" charset="-127"/>
+              </a:rPr>
+              <a:t>(Co2, </a:t>
+            </a:r>
+            <a:r>
+              <a:rPr lang="ko-KR" altLang="en-US" sz="3200" dirty="0" err="1">
+                <a:solidFill>
+                  <a:schemeClr val="accent3">
+                    <a:lumMod val="50000"/>
+                  </a:schemeClr>
+                </a:solidFill>
+                <a:latin typeface="던파 비트비트체 v2" panose="02040503000000000000" pitchFamily="18" charset="-127"/>
+                <a:ea typeface="던파 비트비트체 v2" panose="02040503000000000000" pitchFamily="18" charset="-127"/>
+              </a:rPr>
+              <a:t>온습도</a:t>
+            </a:r>
+            <a:r>
+              <a:rPr lang="en-US" altLang="ko-KR" sz="3200" dirty="0">
+                <a:solidFill>
+                  <a:schemeClr val="accent3">
+                    <a:lumMod val="50000"/>
+                  </a:schemeClr>
+                </a:solidFill>
+                <a:latin typeface="던파 비트비트체 v2" panose="02040503000000000000" pitchFamily="18" charset="-127"/>
+                <a:ea typeface="던파 비트비트체 v2" panose="02040503000000000000" pitchFamily="18" charset="-127"/>
+              </a:rPr>
+              <a:t>) DB </a:t>
+            </a:r>
+            <a:r>
+              <a:rPr lang="ko-KR" altLang="en-US" sz="3200" dirty="0">
+                <a:solidFill>
+                  <a:schemeClr val="accent3">
+                    <a:lumMod val="50000"/>
+                  </a:schemeClr>
+                </a:solidFill>
+                <a:latin typeface="던파 비트비트체 v2" panose="02040503000000000000" pitchFamily="18" charset="-127"/>
+                <a:ea typeface="던파 비트비트체 v2" panose="02040503000000000000" pitchFamily="18" charset="-127"/>
+              </a:rPr>
+              <a:t>저장</a:t>
+            </a:r>
+            <a:endParaRPr lang="en-US" altLang="ko-KR" sz="3200" dirty="0">
+              <a:solidFill>
+                <a:schemeClr val="accent3">
+                  <a:lumMod val="50000"/>
+                </a:schemeClr>
+              </a:solidFill>
+              <a:latin typeface="던파 비트비트체 v2" panose="02040503000000000000" pitchFamily="18" charset="-127"/>
+              <a:ea typeface="던파 비트비트체 v2" panose="02040503000000000000" pitchFamily="18" charset="-127"/>
+            </a:endParaRPr>
+          </a:p>
+          <a:p>
+            <a:pPr algn="ctr">
+              <a:lnSpc>
+                <a:spcPct val="150000"/>
+              </a:lnSpc>
+            </a:pPr>
+            <a:r>
+              <a:rPr lang="en-US" altLang="ko-KR" sz="3200" dirty="0">
+                <a:solidFill>
+                  <a:schemeClr val="accent3">
+                    <a:lumMod val="50000"/>
+                  </a:schemeClr>
+                </a:solidFill>
+                <a:latin typeface="던파 비트비트체 v2" panose="02040503000000000000" pitchFamily="18" charset="-127"/>
+                <a:ea typeface="던파 비트비트체 v2" panose="02040503000000000000" pitchFamily="18" charset="-127"/>
+              </a:rPr>
+              <a:t>- </a:t>
+            </a:r>
+            <a:r>
+              <a:rPr lang="ko-KR" altLang="en-US" sz="3200" dirty="0">
+                <a:solidFill>
+                  <a:schemeClr val="accent3">
+                    <a:lumMod val="50000"/>
+                  </a:schemeClr>
+                </a:solidFill>
+                <a:latin typeface="던파 비트비트체 v2" panose="02040503000000000000" pitchFamily="18" charset="-127"/>
+                <a:ea typeface="던파 비트비트체 v2" panose="02040503000000000000" pitchFamily="18" charset="-127"/>
+              </a:rPr>
+              <a:t>앱으로 현재 </a:t>
+            </a:r>
+            <a:r>
+              <a:rPr lang="ko-KR" altLang="en-US" sz="3200" dirty="0" err="1">
+                <a:solidFill>
+                  <a:schemeClr val="accent3">
+                    <a:lumMod val="50000"/>
+                  </a:schemeClr>
+                </a:solidFill>
+                <a:latin typeface="던파 비트비트체 v2" panose="02040503000000000000" pitchFamily="18" charset="-127"/>
+                <a:ea typeface="던파 비트비트체 v2" panose="02040503000000000000" pitchFamily="18" charset="-127"/>
+              </a:rPr>
+              <a:t>스마트팜</a:t>
+            </a:r>
+            <a:r>
+              <a:rPr lang="ko-KR" altLang="en-US" sz="3200" dirty="0">
+                <a:solidFill>
+                  <a:schemeClr val="accent3">
+                    <a:lumMod val="50000"/>
+                  </a:schemeClr>
+                </a:solidFill>
+                <a:latin typeface="던파 비트비트체 v2" panose="02040503000000000000" pitchFamily="18" charset="-127"/>
+                <a:ea typeface="던파 비트비트체 v2" panose="02040503000000000000" pitchFamily="18" charset="-127"/>
+              </a:rPr>
+              <a:t> 상태 확인</a:t>
+            </a:r>
+            <a:endParaRPr lang="en-US" altLang="ko-KR" sz="3200" dirty="0">
               <a:solidFill>
                 <a:schemeClr val="accent3">
                   <a:lumMod val="50000"/>
@@ -5865,7 +6439,7 @@
         </p:nvSpPr>
         <p:spPr>
           <a:xfrm>
-            <a:off x="626775" y="18245269"/>
+            <a:off x="626775" y="18101253"/>
             <a:ext cx="9778593" cy="1006475"/>
           </a:xfrm>
           <a:prstGeom prst="roundRect">
@@ -5935,8 +6509,8 @@
         </p:nvSpPr>
         <p:spPr>
           <a:xfrm>
-            <a:off x="626775" y="19476706"/>
-            <a:ext cx="9778593" cy="10414411"/>
+            <a:off x="626775" y="19332690"/>
+            <a:ext cx="9778593" cy="10763336"/>
           </a:xfrm>
           <a:prstGeom prst="roundRect">
             <a:avLst>
@@ -5975,7 +6549,31 @@
           <a:lstStyle/>
           <a:p>
             <a:pPr algn="ctr"/>
-            <a:endParaRPr lang="ko-KR" altLang="en-US" sz="4500" dirty="0">
+            <a:r>
+              <a:rPr lang="en-US" altLang="ko-KR" sz="3200" dirty="0">
+                <a:solidFill>
+                  <a:schemeClr val="accent3">
+                    <a:lumMod val="50000"/>
+                  </a:schemeClr>
+                </a:solidFill>
+                <a:latin typeface="던파 비트비트체 v2" panose="02040503000000000000" pitchFamily="18" charset="-127"/>
+                <a:ea typeface="던파 비트비트체 v2" panose="02040503000000000000" pitchFamily="18" charset="-127"/>
+              </a:rPr>
+              <a:t>- </a:t>
+            </a:r>
+            <a:r>
+              <a:rPr lang="ko-KR" altLang="en-US" sz="3200" dirty="0">
+                <a:solidFill>
+                  <a:schemeClr val="accent3">
+                    <a:lumMod val="50000"/>
+                  </a:schemeClr>
+                </a:solidFill>
+                <a:latin typeface="던파 비트비트체 v2" panose="02040503000000000000" pitchFamily="18" charset="-127"/>
+                <a:ea typeface="던파 비트비트체 v2" panose="02040503000000000000" pitchFamily="18" charset="-127"/>
+              </a:rPr>
+              <a:t>소프트웨어 개발 문서 작성</a:t>
+            </a:r>
+            <a:endParaRPr lang="en-US" altLang="ko-KR" sz="3200">
               <a:solidFill>
                 <a:schemeClr val="accent3">
                   <a:lumMod val="50000"/>
@@ -5984,6 +6582,165 @@
               <a:latin typeface="던파 비트비트체 v2" panose="02040503000000000000" pitchFamily="18" charset="-127"/>
               <a:ea typeface="던파 비트비트체 v2" panose="02040503000000000000" pitchFamily="18" charset="-127"/>
             </a:endParaRPr>
+          </a:p>
+          <a:p>
+            <a:pPr algn="ctr"/>
+            <a:endParaRPr lang="en-US" altLang="ko-KR" sz="3200" dirty="0">
+              <a:solidFill>
+                <a:schemeClr val="accent3">
+                  <a:lumMod val="50000"/>
+                </a:schemeClr>
+              </a:solidFill>
+              <a:latin typeface="던파 비트비트체 v2" panose="02040503000000000000" pitchFamily="18" charset="-127"/>
+              <a:ea typeface="던파 비트비트체 v2" panose="02040503000000000000" pitchFamily="18" charset="-127"/>
+            </a:endParaRPr>
+          </a:p>
+          <a:p>
+            <a:pPr algn="ctr"/>
+            <a:endParaRPr lang="en-US" altLang="ko-KR" sz="3200" dirty="0">
+              <a:solidFill>
+                <a:schemeClr val="accent3">
+                  <a:lumMod val="50000"/>
+                </a:schemeClr>
+              </a:solidFill>
+              <a:latin typeface="던파 비트비트체 v2" panose="02040503000000000000" pitchFamily="18" charset="-127"/>
+              <a:ea typeface="던파 비트비트체 v2" panose="02040503000000000000" pitchFamily="18" charset="-127"/>
+            </a:endParaRPr>
+          </a:p>
+          <a:p>
+            <a:pPr algn="ctr"/>
+            <a:r>
+              <a:rPr lang="en-US" altLang="ko-KR" sz="3200" dirty="0">
+                <a:solidFill>
+                  <a:schemeClr val="accent3">
+                    <a:lumMod val="50000"/>
+                  </a:schemeClr>
+                </a:solidFill>
+                <a:latin typeface="던파 비트비트체 v2" panose="02040503000000000000" pitchFamily="18" charset="-127"/>
+                <a:ea typeface="던파 비트비트체 v2" panose="02040503000000000000" pitchFamily="18" charset="-127"/>
+              </a:rPr>
+              <a:t>- </a:t>
+            </a:r>
+            <a:r>
+              <a:rPr lang="ko-KR" altLang="en-US" sz="3200" dirty="0" err="1">
+                <a:solidFill>
+                  <a:schemeClr val="accent3">
+                    <a:lumMod val="50000"/>
+                  </a:schemeClr>
+                </a:solidFill>
+                <a:latin typeface="던파 비트비트체 v2" panose="02040503000000000000" pitchFamily="18" charset="-127"/>
+                <a:ea typeface="던파 비트비트체 v2" panose="02040503000000000000" pitchFamily="18" charset="-127"/>
+              </a:rPr>
+              <a:t>스마트팜</a:t>
+            </a:r>
+            <a:r>
+              <a:rPr lang="ko-KR" altLang="en-US" sz="3200" dirty="0">
+                <a:solidFill>
+                  <a:schemeClr val="accent3">
+                    <a:lumMod val="50000"/>
+                  </a:schemeClr>
+                </a:solidFill>
+                <a:latin typeface="던파 비트비트체 v2" panose="02040503000000000000" pitchFamily="18" charset="-127"/>
+                <a:ea typeface="던파 비트비트체 v2" panose="02040503000000000000" pitchFamily="18" charset="-127"/>
+              </a:rPr>
+              <a:t> 개발</a:t>
+            </a:r>
+            <a:endParaRPr lang="en-US" altLang="ko-KR" sz="3200" dirty="0">
+              <a:solidFill>
+                <a:schemeClr val="accent3">
+                  <a:lumMod val="50000"/>
+                </a:schemeClr>
+              </a:solidFill>
+              <a:latin typeface="던파 비트비트체 v2" panose="02040503000000000000" pitchFamily="18" charset="-127"/>
+              <a:ea typeface="던파 비트비트체 v2" panose="02040503000000000000" pitchFamily="18" charset="-127"/>
+            </a:endParaRPr>
+          </a:p>
+          <a:p>
+            <a:pPr algn="ctr"/>
+            <a:endParaRPr lang="en-US" altLang="ko-KR" sz="3200" dirty="0">
+              <a:solidFill>
+                <a:schemeClr val="accent3">
+                  <a:lumMod val="50000"/>
+                </a:schemeClr>
+              </a:solidFill>
+              <a:latin typeface="던파 비트비트체 v2" panose="02040503000000000000" pitchFamily="18" charset="-127"/>
+              <a:ea typeface="던파 비트비트체 v2" panose="02040503000000000000" pitchFamily="18" charset="-127"/>
+            </a:endParaRPr>
+          </a:p>
+          <a:p>
+            <a:pPr algn="ctr"/>
+            <a:r>
+              <a:rPr lang="en-US" altLang="ko-KR" sz="3200" dirty="0">
+                <a:solidFill>
+                  <a:schemeClr val="accent3">
+                    <a:lumMod val="50000"/>
+                  </a:schemeClr>
+                </a:solidFill>
+                <a:latin typeface="던파 비트비트체 v2" panose="02040503000000000000" pitchFamily="18" charset="-127"/>
+                <a:ea typeface="던파 비트비트체 v2" panose="02040503000000000000" pitchFamily="18" charset="-127"/>
+              </a:rPr>
+              <a:t>- AWS Cloud </a:t>
+            </a:r>
+            <a:r>
+              <a:rPr lang="ko-KR" altLang="en-US" sz="3200" dirty="0">
+                <a:solidFill>
+                  <a:schemeClr val="accent3">
+                    <a:lumMod val="50000"/>
+                  </a:schemeClr>
+                </a:solidFill>
+                <a:latin typeface="던파 비트비트체 v2" panose="02040503000000000000" pitchFamily="18" charset="-127"/>
+                <a:ea typeface="던파 비트비트체 v2" panose="02040503000000000000" pitchFamily="18" charset="-127"/>
+              </a:rPr>
+              <a:t>구성</a:t>
+            </a:r>
+            <a:endParaRPr lang="en-US" altLang="ko-KR" sz="3200" dirty="0">
+              <a:solidFill>
+                <a:schemeClr val="accent3">
+                  <a:lumMod val="50000"/>
+                </a:schemeClr>
+              </a:solidFill>
+              <a:latin typeface="던파 비트비트체 v2" panose="02040503000000000000" pitchFamily="18" charset="-127"/>
+              <a:ea typeface="던파 비트비트체 v2" panose="02040503000000000000" pitchFamily="18" charset="-127"/>
+            </a:endParaRPr>
+          </a:p>
+          <a:p>
+            <a:pPr algn="ctr"/>
+            <a:endParaRPr lang="en-US" altLang="ko-KR" sz="3200" dirty="0">
+              <a:solidFill>
+                <a:schemeClr val="accent3">
+                  <a:lumMod val="50000"/>
+                </a:schemeClr>
+              </a:solidFill>
+              <a:latin typeface="던파 비트비트체 v2" panose="02040503000000000000" pitchFamily="18" charset="-127"/>
+              <a:ea typeface="던파 비트비트체 v2" panose="02040503000000000000" pitchFamily="18" charset="-127"/>
+            </a:endParaRPr>
+          </a:p>
+          <a:p>
+            <a:pPr algn="ctr"/>
+            <a:r>
+              <a:rPr lang="en-US" altLang="ko-KR" sz="3200" dirty="0">
+                <a:solidFill>
+                  <a:schemeClr val="accent3">
+                    <a:lumMod val="50000"/>
+                  </a:schemeClr>
+                </a:solidFill>
+                <a:latin typeface="던파 비트비트체 v2" panose="02040503000000000000" pitchFamily="18" charset="-127"/>
+                <a:ea typeface="던파 비트비트체 v2" panose="02040503000000000000" pitchFamily="18" charset="-127"/>
+              </a:rPr>
+              <a:t>- Android Application </a:t>
+            </a:r>
+            <a:r>
+              <a:rPr lang="ko-KR" altLang="en-US" sz="3200" dirty="0">
+                <a:solidFill>
+                  <a:schemeClr val="accent3">
+                    <a:lumMod val="50000"/>
+                  </a:schemeClr>
+                </a:solidFill>
+                <a:latin typeface="던파 비트비트체 v2" panose="02040503000000000000" pitchFamily="18" charset="-127"/>
+                <a:ea typeface="던파 비트비트체 v2" panose="02040503000000000000" pitchFamily="18" charset="-127"/>
+              </a:rPr>
+              <a:t>개발</a:t>
+            </a:r>
           </a:p>
         </p:txBody>
       </p:sp>
@@ -6001,7 +6758,7 @@
         </p:nvSpPr>
         <p:spPr>
           <a:xfrm>
-            <a:off x="11012585" y="4482803"/>
+            <a:off x="11012585" y="4338787"/>
             <a:ext cx="9778593" cy="5762153"/>
           </a:xfrm>
           <a:prstGeom prst="roundRect">
@@ -6041,7 +6798,7 @@
           <a:lstStyle/>
           <a:p>
             <a:pPr algn="ctr"/>
-            <a:endParaRPr lang="ko-KR" altLang="en-US" sz="4500" dirty="0">
+            <a:endParaRPr lang="ko-KR" altLang="en-US" sz="3200" dirty="0">
               <a:solidFill>
                 <a:schemeClr val="accent3">
                   <a:lumMod val="50000"/>
@@ -6067,8 +6824,8 @@
         </p:nvSpPr>
         <p:spPr>
           <a:xfrm>
-            <a:off x="11012585" y="11683727"/>
-            <a:ext cx="9778593" cy="9893187"/>
+            <a:off x="11012585" y="11539710"/>
+            <a:ext cx="9778593" cy="13813825"/>
           </a:xfrm>
           <a:prstGeom prst="roundRect">
             <a:avLst>
@@ -6107,7 +6864,43 @@
           <a:lstStyle/>
           <a:p>
             <a:pPr algn="ctr"/>
-            <a:endParaRPr lang="ko-KR" altLang="en-US" sz="4500" dirty="0">
+            <a:r>
+              <a:rPr lang="en-US" altLang="ko-KR" sz="3200" dirty="0">
+                <a:solidFill>
+                  <a:schemeClr val="accent3">
+                    <a:lumMod val="50000"/>
+                  </a:schemeClr>
+                </a:solidFill>
+                <a:latin typeface="던파 비트비트체 v2" panose="02040503000000000000" pitchFamily="18" charset="-127"/>
+                <a:ea typeface="던파 비트비트체 v2" panose="02040503000000000000" pitchFamily="18" charset="-127"/>
+              </a:rPr>
+              <a:t>- </a:t>
+            </a:r>
+            <a:r>
+              <a:rPr lang="ko-KR" altLang="en-US" sz="3200" dirty="0" err="1">
+                <a:solidFill>
+                  <a:schemeClr val="accent3">
+                    <a:lumMod val="50000"/>
+                  </a:schemeClr>
+                </a:solidFill>
+                <a:latin typeface="던파 비트비트체 v2" panose="02040503000000000000" pitchFamily="18" charset="-127"/>
+                <a:ea typeface="던파 비트비트체 v2" panose="02040503000000000000" pitchFamily="18" charset="-127"/>
+              </a:rPr>
+              <a:t>스마트팜</a:t>
+            </a:r>
+            <a:r>
+              <a:rPr lang="ko-KR" altLang="en-US" sz="3200" dirty="0">
+                <a:solidFill>
+                  <a:schemeClr val="accent3">
+                    <a:lumMod val="50000"/>
+                  </a:schemeClr>
+                </a:solidFill>
+                <a:latin typeface="던파 비트비트체 v2" panose="02040503000000000000" pitchFamily="18" charset="-127"/>
+                <a:ea typeface="던파 비트비트체 v2" panose="02040503000000000000" pitchFamily="18" charset="-127"/>
+              </a:rPr>
+              <a:t> 완성</a:t>
+            </a:r>
+            <a:endParaRPr lang="en-US" altLang="ko-KR" sz="3200" dirty="0">
               <a:solidFill>
                 <a:schemeClr val="accent3">
                   <a:lumMod val="50000"/>
@@ -6116,6 +6909,93 @@
               <a:latin typeface="던파 비트비트체 v2" panose="02040503000000000000" pitchFamily="18" charset="-127"/>
               <a:ea typeface="던파 비트비트체 v2" panose="02040503000000000000" pitchFamily="18" charset="-127"/>
             </a:endParaRPr>
+          </a:p>
+          <a:p>
+            <a:pPr algn="ctr"/>
+            <a:endParaRPr lang="en-US" altLang="ko-KR" sz="3200" dirty="0">
+              <a:solidFill>
+                <a:schemeClr val="accent3">
+                  <a:lumMod val="50000"/>
+                </a:schemeClr>
+              </a:solidFill>
+              <a:latin typeface="던파 비트비트체 v2" panose="02040503000000000000" pitchFamily="18" charset="-127"/>
+              <a:ea typeface="던파 비트비트체 v2" panose="02040503000000000000" pitchFamily="18" charset="-127"/>
+            </a:endParaRPr>
+          </a:p>
+          <a:p>
+            <a:pPr algn="ctr"/>
+            <a:r>
+              <a:rPr lang="en-US" altLang="ko-KR" sz="3200" dirty="0">
+                <a:solidFill>
+                  <a:schemeClr val="accent3">
+                    <a:lumMod val="50000"/>
+                  </a:schemeClr>
+                </a:solidFill>
+                <a:latin typeface="던파 비트비트체 v2" panose="02040503000000000000" pitchFamily="18" charset="-127"/>
+                <a:ea typeface="던파 비트비트체 v2" panose="02040503000000000000" pitchFamily="18" charset="-127"/>
+              </a:rPr>
+              <a:t>- AWS Cloud </a:t>
+            </a:r>
+            <a:r>
+              <a:rPr lang="ko-KR" altLang="en-US" sz="3200" dirty="0">
+                <a:solidFill>
+                  <a:schemeClr val="accent3">
+                    <a:lumMod val="50000"/>
+                  </a:schemeClr>
+                </a:solidFill>
+                <a:latin typeface="던파 비트비트체 v2" panose="02040503000000000000" pitchFamily="18" charset="-127"/>
+                <a:ea typeface="던파 비트비트체 v2" panose="02040503000000000000" pitchFamily="18" charset="-127"/>
+              </a:rPr>
+              <a:t>완성</a:t>
+            </a:r>
+            <a:endParaRPr lang="en-US" altLang="ko-KR" sz="3200" dirty="0">
+              <a:solidFill>
+                <a:schemeClr val="accent3">
+                  <a:lumMod val="50000"/>
+                </a:schemeClr>
+              </a:solidFill>
+              <a:latin typeface="던파 비트비트체 v2" panose="02040503000000000000" pitchFamily="18" charset="-127"/>
+              <a:ea typeface="던파 비트비트체 v2" panose="02040503000000000000" pitchFamily="18" charset="-127"/>
+            </a:endParaRPr>
+          </a:p>
+          <a:p>
+            <a:pPr algn="ctr"/>
+            <a:endParaRPr lang="en-US" altLang="ko-KR" sz="3200" dirty="0">
+              <a:solidFill>
+                <a:schemeClr val="accent3">
+                  <a:lumMod val="50000"/>
+                </a:schemeClr>
+              </a:solidFill>
+              <a:latin typeface="던파 비트비트체 v2" panose="02040503000000000000" pitchFamily="18" charset="-127"/>
+              <a:ea typeface="던파 비트비트체 v2" panose="02040503000000000000" pitchFamily="18" charset="-127"/>
+            </a:endParaRPr>
+          </a:p>
+          <a:p>
+            <a:pPr algn="ctr"/>
+            <a:r>
+              <a:rPr lang="en-US" altLang="ko-KR" sz="3200" dirty="0">
+                <a:solidFill>
+                  <a:schemeClr val="accent3">
+                    <a:lumMod val="50000"/>
+                  </a:schemeClr>
+                </a:solidFill>
+                <a:latin typeface="던파 비트비트체 v2" panose="02040503000000000000" pitchFamily="18" charset="-127"/>
+                <a:ea typeface="던파 비트비트체 v2" panose="02040503000000000000" pitchFamily="18" charset="-127"/>
+              </a:rPr>
+              <a:t>- </a:t>
+            </a:r>
+            <a:r>
+              <a:rPr lang="ko-KR" altLang="en-US" sz="3200" dirty="0">
+                <a:solidFill>
+                  <a:schemeClr val="accent3">
+                    <a:lumMod val="50000"/>
+                  </a:schemeClr>
+                </a:solidFill>
+                <a:latin typeface="던파 비트비트체 v2" panose="02040503000000000000" pitchFamily="18" charset="-127"/>
+                <a:ea typeface="던파 비트비트체 v2" panose="02040503000000000000" pitchFamily="18" charset="-127"/>
+              </a:rPr>
+              <a:t>어플리케이션 완성</a:t>
+            </a:r>
           </a:p>
         </p:txBody>
       </p:sp>
@@ -6133,7 +7013,7 @@
         </p:nvSpPr>
         <p:spPr>
           <a:xfrm>
-            <a:off x="11012586" y="21793062"/>
+            <a:off x="10968812" y="25576172"/>
             <a:ext cx="9778593" cy="1006475"/>
           </a:xfrm>
           <a:prstGeom prst="roundRect">
@@ -6184,7 +7064,7 @@
                 <a:latin typeface="던파 비트비트체 v2" panose="02040503000000000000" pitchFamily="18" charset="-127"/>
                 <a:ea typeface="던파 비트비트체 v2" panose="02040503000000000000" pitchFamily="18" charset="-127"/>
               </a:rPr>
-              <a:t>과제 결과</a:t>
+              <a:t>보완 사항</a:t>
             </a:r>
           </a:p>
         </p:txBody>
@@ -6203,8 +7083,8 @@
         </p:nvSpPr>
         <p:spPr>
           <a:xfrm>
-            <a:off x="11012585" y="23015685"/>
-            <a:ext cx="9778593" cy="6875432"/>
+            <a:off x="11012585" y="26805283"/>
+            <a:ext cx="9778593" cy="3271243"/>
           </a:xfrm>
           <a:prstGeom prst="roundRect">
             <a:avLst>
@@ -6242,8 +7122,118 @@
           <a:bodyPr rtlCol="0" anchor="ctr"/>
           <a:lstStyle/>
           <a:p>
-            <a:pPr algn="ctr"/>
-            <a:endParaRPr lang="ko-KR" altLang="en-US" sz="4500" dirty="0">
+            <a:pPr marL="914400" indent="-914400" algn="ctr">
+              <a:lnSpc>
+                <a:spcPct val="150000"/>
+              </a:lnSpc>
+              <a:buAutoNum type="arabicPeriod"/>
+            </a:pPr>
+            <a:r>
+              <a:rPr lang="ko-KR" altLang="en-US" sz="3200" dirty="0" err="1">
+                <a:solidFill>
+                  <a:schemeClr val="accent3">
+                    <a:lumMod val="50000"/>
+                  </a:schemeClr>
+                </a:solidFill>
+                <a:latin typeface="던파 비트비트체 v2" panose="02040503000000000000" pitchFamily="18" charset="-127"/>
+                <a:ea typeface="던파 비트비트체 v2" panose="02040503000000000000" pitchFamily="18" charset="-127"/>
+              </a:rPr>
+              <a:t>어플사용자끼리의</a:t>
+            </a:r>
+            <a:r>
+              <a:rPr lang="ko-KR" altLang="en-US" sz="3200" dirty="0">
+                <a:solidFill>
+                  <a:schemeClr val="accent3">
+                    <a:lumMod val="50000"/>
+                  </a:schemeClr>
+                </a:solidFill>
+                <a:latin typeface="던파 비트비트체 v2" panose="02040503000000000000" pitchFamily="18" charset="-127"/>
+                <a:ea typeface="던파 비트비트체 v2" panose="02040503000000000000" pitchFamily="18" charset="-127"/>
+              </a:rPr>
+              <a:t> 정보 공유</a:t>
+            </a:r>
+            <a:endParaRPr lang="en-US" altLang="ko-KR" sz="3200" dirty="0">
+              <a:solidFill>
+                <a:schemeClr val="accent3">
+                  <a:lumMod val="50000"/>
+                </a:schemeClr>
+              </a:solidFill>
+              <a:latin typeface="던파 비트비트체 v2" panose="02040503000000000000" pitchFamily="18" charset="-127"/>
+              <a:ea typeface="던파 비트비트체 v2" panose="02040503000000000000" pitchFamily="18" charset="-127"/>
+            </a:endParaRPr>
+          </a:p>
+          <a:p>
+            <a:pPr marL="914400" indent="-914400" algn="ctr">
+              <a:lnSpc>
+                <a:spcPct val="150000"/>
+              </a:lnSpc>
+              <a:buAutoNum type="arabicPeriod"/>
+            </a:pPr>
+            <a:r>
+              <a:rPr lang="ko-KR" altLang="en-US" sz="3200" dirty="0">
+                <a:solidFill>
+                  <a:schemeClr val="accent3">
+                    <a:lumMod val="50000"/>
+                  </a:schemeClr>
+                </a:solidFill>
+                <a:latin typeface="던파 비트비트체 v2" panose="02040503000000000000" pitchFamily="18" charset="-127"/>
+                <a:ea typeface="던파 비트비트체 v2" panose="02040503000000000000" pitchFamily="18" charset="-127"/>
+              </a:rPr>
+              <a:t>비용문제로 인한 클라우드 보안 문제</a:t>
+            </a:r>
+            <a:endParaRPr lang="en-US" altLang="ko-KR" sz="3200" dirty="0">
+              <a:solidFill>
+                <a:schemeClr val="accent3">
+                  <a:lumMod val="50000"/>
+                </a:schemeClr>
+              </a:solidFill>
+              <a:latin typeface="던파 비트비트체 v2" panose="02040503000000000000" pitchFamily="18" charset="-127"/>
+              <a:ea typeface="던파 비트비트체 v2" panose="02040503000000000000" pitchFamily="18" charset="-127"/>
+            </a:endParaRPr>
+          </a:p>
+          <a:p>
+            <a:pPr algn="ctr">
+              <a:lnSpc>
+                <a:spcPct val="150000"/>
+              </a:lnSpc>
+            </a:pPr>
+            <a:r>
+              <a:rPr lang="en-US" altLang="ko-KR" sz="3200" dirty="0">
+                <a:solidFill>
+                  <a:schemeClr val="accent3">
+                    <a:lumMod val="50000"/>
+                  </a:schemeClr>
+                </a:solidFill>
+                <a:latin typeface="던파 비트비트체 v2" panose="02040503000000000000" pitchFamily="18" charset="-127"/>
+                <a:ea typeface="던파 비트비트체 v2" panose="02040503000000000000" pitchFamily="18" charset="-127"/>
+              </a:rPr>
+              <a:t>3. </a:t>
+            </a:r>
+            <a:r>
+              <a:rPr lang="ko-KR" altLang="en-US" sz="3200" dirty="0" err="1">
+                <a:solidFill>
+                  <a:schemeClr val="accent3">
+                    <a:lumMod val="50000"/>
+                  </a:schemeClr>
+                </a:solidFill>
+                <a:latin typeface="던파 비트비트체 v2" panose="02040503000000000000" pitchFamily="18" charset="-127"/>
+                <a:ea typeface="던파 비트비트체 v2" panose="02040503000000000000" pitchFamily="18" charset="-127"/>
+              </a:rPr>
+              <a:t>스마트팜</a:t>
+            </a:r>
+            <a:r>
+              <a:rPr lang="ko-KR" altLang="en-US" sz="3200" dirty="0">
+                <a:solidFill>
+                  <a:schemeClr val="accent3">
+                    <a:lumMod val="50000"/>
+                  </a:schemeClr>
+                </a:solidFill>
+                <a:latin typeface="던파 비트비트체 v2" panose="02040503000000000000" pitchFamily="18" charset="-127"/>
+                <a:ea typeface="던파 비트비트체 v2" panose="02040503000000000000" pitchFamily="18" charset="-127"/>
+              </a:rPr>
+              <a:t> 내부 온도 조절 시스템</a:t>
+            </a:r>
+            <a:endParaRPr lang="en-US" altLang="ko-KR" sz="3200" dirty="0">
               <a:solidFill>
                 <a:schemeClr val="accent3">
                   <a:lumMod val="50000"/>
@@ -6264,7 +7254,7 @@
     <mc:Choice Requires="p14">
       <p:transition/>
     </mc:Choice>
-    <mc:Fallback xmlns:a14="http://schemas.microsoft.com/office/drawing/2010/main" xmlns:dsp="http://schemas.microsoft.com/office/drawing/2008/diagram" xmlns:dgm="http://schemas.openxmlformats.org/drawingml/2006/diagram" xmlns:c="http://schemas.openxmlformats.org/drawingml/2006/chart" xmlns="">
+    <mc:Fallback xmlns="" xmlns:c="http://schemas.openxmlformats.org/drawingml/2006/chart" xmlns:dgm="http://schemas.openxmlformats.org/drawingml/2006/diagram" xmlns:dsp="http://schemas.microsoft.com/office/drawing/2008/diagram" xmlns:a14="http://schemas.microsoft.com/office/drawing/2010/main">
       <p:transition/>
     </mc:Fallback>
   </mc:AlternateContent>
